--- a/Medicare-for-Pyupdate2.pptx
+++ b/Medicare-for-Pyupdate2.pptx
@@ -500,7 +500,7 @@
           <a:p>
             <a:fld id="{49D0B9FE-D7CB-48CE-8DCF-B1D706A72BB9}" type="datetimeFigureOut">
               <a:rPr lang="en-US" smtClean="0"/>
-              <a:t>7/5/2019</a:t>
+              <a:t>7/6/2019</a:t>
             </a:fld>
             <a:endParaRPr lang="en-US" dirty="0"/>
           </a:p>
@@ -747,7 +747,7 @@
           <a:p>
             <a:fld id="{49D0B9FE-D7CB-48CE-8DCF-B1D706A72BB9}" type="datetimeFigureOut">
               <a:rPr lang="en-US" smtClean="0"/>
-              <a:t>7/5/2019</a:t>
+              <a:t>7/6/2019</a:t>
             </a:fld>
             <a:endParaRPr lang="en-US" dirty="0"/>
           </a:p>
@@ -1133,7 +1133,7 @@
           <a:p>
             <a:fld id="{49D0B9FE-D7CB-48CE-8DCF-B1D706A72BB9}" type="datetimeFigureOut">
               <a:rPr lang="en-US" smtClean="0"/>
-              <a:t>7/5/2019</a:t>
+              <a:t>7/6/2019</a:t>
             </a:fld>
             <a:endParaRPr lang="en-US" dirty="0"/>
           </a:p>
@@ -1362,7 +1362,7 @@
           <a:p>
             <a:fld id="{49D0B9FE-D7CB-48CE-8DCF-B1D706A72BB9}" type="datetimeFigureOut">
               <a:rPr lang="en-US" smtClean="0"/>
-              <a:t>7/5/2019</a:t>
+              <a:t>7/6/2019</a:t>
             </a:fld>
             <a:endParaRPr lang="en-US" dirty="0"/>
           </a:p>
@@ -1853,7 +1853,7 @@
           <a:p>
             <a:fld id="{49D0B9FE-D7CB-48CE-8DCF-B1D706A72BB9}" type="datetimeFigureOut">
               <a:rPr lang="en-US" smtClean="0"/>
-              <a:t>7/5/2019</a:t>
+              <a:t>7/6/2019</a:t>
             </a:fld>
             <a:endParaRPr lang="en-US" dirty="0"/>
           </a:p>
@@ -2163,7 +2163,7 @@
           <a:p>
             <a:fld id="{49D0B9FE-D7CB-48CE-8DCF-B1D706A72BB9}" type="datetimeFigureOut">
               <a:rPr lang="en-US" smtClean="0"/>
-              <a:t>7/5/2019</a:t>
+              <a:t>7/6/2019</a:t>
             </a:fld>
             <a:endParaRPr lang="en-US" dirty="0"/>
           </a:p>
@@ -2554,7 +2554,7 @@
           <a:p>
             <a:fld id="{49D0B9FE-D7CB-48CE-8DCF-B1D706A72BB9}" type="datetimeFigureOut">
               <a:rPr lang="en-US" smtClean="0"/>
-              <a:t>7/5/2019</a:t>
+              <a:t>7/6/2019</a:t>
             </a:fld>
             <a:endParaRPr lang="en-US" dirty="0"/>
           </a:p>
@@ -2672,7 +2672,7 @@
           <a:p>
             <a:fld id="{49D0B9FE-D7CB-48CE-8DCF-B1D706A72BB9}" type="datetimeFigureOut">
               <a:rPr lang="en-US" smtClean="0"/>
-              <a:t>7/5/2019</a:t>
+              <a:t>7/6/2019</a:t>
             </a:fld>
             <a:endParaRPr lang="en-US" dirty="0"/>
           </a:p>
@@ -2767,7 +2767,7 @@
           <a:p>
             <a:fld id="{49D0B9FE-D7CB-48CE-8DCF-B1D706A72BB9}" type="datetimeFigureOut">
               <a:rPr lang="en-US" smtClean="0"/>
-              <a:t>7/5/2019</a:t>
+              <a:t>7/6/2019</a:t>
             </a:fld>
             <a:endParaRPr lang="en-US" dirty="0"/>
           </a:p>
@@ -3067,7 +3067,7 @@
           <a:p>
             <a:fld id="{49D0B9FE-D7CB-48CE-8DCF-B1D706A72BB9}" type="datetimeFigureOut">
               <a:rPr lang="en-US" smtClean="0"/>
-              <a:t>7/5/2019</a:t>
+              <a:t>7/6/2019</a:t>
             </a:fld>
             <a:endParaRPr lang="en-US" dirty="0"/>
           </a:p>
@@ -3331,7 +3331,7 @@
           <a:p>
             <a:fld id="{49D0B9FE-D7CB-48CE-8DCF-B1D706A72BB9}" type="datetimeFigureOut">
               <a:rPr lang="en-US" smtClean="0"/>
-              <a:t>7/5/2019</a:t>
+              <a:t>7/6/2019</a:t>
             </a:fld>
             <a:endParaRPr lang="en-US" dirty="0"/>
           </a:p>
@@ -3749,7 +3749,7 @@
           <a:p>
             <a:fld id="{49D0B9FE-D7CB-48CE-8DCF-B1D706A72BB9}" type="datetimeFigureOut">
               <a:rPr lang="en-US" smtClean="0"/>
-              <a:t>7/5/2019</a:t>
+              <a:t>7/6/2019</a:t>
             </a:fld>
             <a:endParaRPr lang="en-US" dirty="0"/>
           </a:p>
@@ -7022,17 +7022,19 @@
       </p:sp>
       <p:pic>
         <p:nvPicPr>
-          <p:cNvPr id="5" name="Picture 4" descr="A screenshot of a cell phone&#10;&#10;Description automatically generated">
+          <p:cNvPr id="1026" name="Picture 2">
             <a:extLst>
               <a:ext uri="{FF2B5EF4-FFF2-40B4-BE49-F238E27FC236}">
-                <a16:creationId xmlns:a16="http://schemas.microsoft.com/office/drawing/2014/main" id="{38DBD39C-7021-4628-AC07-0CF7795A2261}"/>
+                <a16:creationId xmlns:a16="http://schemas.microsoft.com/office/drawing/2014/main" id="{D79DB136-7892-48B5-842D-D65B26CB7E21}"/>
               </a:ext>
             </a:extLst>
           </p:cNvPr>
-          <p:cNvPicPr/>
+          <p:cNvPicPr>
+            <a:picLocks noChangeAspect="1" noChangeArrowheads="1"/>
+          </p:cNvPicPr>
           <p:nvPr/>
         </p:nvPicPr>
-        <p:blipFill rotWithShape="1">
+        <p:blipFill>
           <a:blip r:embed="rId2">
             <a:extLst>
               <a:ext uri="{28A0092B-C50C-407E-A947-70E740481C1C}">
@@ -7040,17 +7042,29 @@
               </a:ext>
             </a:extLst>
           </a:blip>
-          <a:srcRect l="8865"/>
-          <a:stretch/>
+          <a:srcRect/>
+          <a:stretch>
+            <a:fillRect/>
+          </a:stretch>
         </p:blipFill>
-        <p:spPr>
+        <p:spPr bwMode="auto">
           <a:xfrm>
-            <a:off x="5204836" y="555479"/>
-            <a:ext cx="6201930" cy="5631312"/>
+            <a:off x="4624980" y="28918"/>
+            <a:ext cx="7648402" cy="5559082"/>
           </a:xfrm>
           <a:prstGeom prst="rect">
             <a:avLst/>
           </a:prstGeom>
+          <a:noFill/>
+          <a:extLst>
+            <a:ext uri="{909E8E84-426E-40DD-AFC4-6F175D3DCCD1}">
+              <a14:hiddenFill xmlns:a14="http://schemas.microsoft.com/office/drawing/2010/main">
+                <a:solidFill>
+                  <a:srgbClr val="FFFFFF"/>
+                </a:solidFill>
+              </a14:hiddenFill>
+            </a:ext>
+          </a:extLst>
         </p:spPr>
       </p:pic>
     </p:spTree>
